--- a/backend/templates/new_employee_eng.pptx
+++ b/backend/templates/new_employee_eng.pptx
@@ -243,7 +243,7 @@
           <a:p>
             <a:fld id="{58FB63AF-01B3-49F3-A0A3-B5D12ECE087D}" type="datetimeFigureOut">
               <a:rPr lang="pl-PL" smtClean="0"/>
-              <a:t>04.03.2024</a:t>
+              <a:t>05.03.2024</a:t>
             </a:fld>
             <a:endParaRPr lang="pl-PL"/>
           </a:p>
@@ -413,7 +413,7 @@
           <a:p>
             <a:fld id="{58FB63AF-01B3-49F3-A0A3-B5D12ECE087D}" type="datetimeFigureOut">
               <a:rPr lang="pl-PL" smtClean="0"/>
-              <a:t>04.03.2024</a:t>
+              <a:t>05.03.2024</a:t>
             </a:fld>
             <a:endParaRPr lang="pl-PL"/>
           </a:p>
@@ -593,7 +593,7 @@
           <a:p>
             <a:fld id="{58FB63AF-01B3-49F3-A0A3-B5D12ECE087D}" type="datetimeFigureOut">
               <a:rPr lang="pl-PL" smtClean="0"/>
-              <a:t>04.03.2024</a:t>
+              <a:t>05.03.2024</a:t>
             </a:fld>
             <a:endParaRPr lang="pl-PL"/>
           </a:p>
@@ -1394,7 +1394,7 @@
           <a:p>
             <a:fld id="{58FB63AF-01B3-49F3-A0A3-B5D12ECE087D}" type="datetimeFigureOut">
               <a:rPr lang="pl-PL" smtClean="0"/>
-              <a:t>04.03.2024</a:t>
+              <a:t>05.03.2024</a:t>
             </a:fld>
             <a:endParaRPr lang="pl-PL"/>
           </a:p>
@@ -1640,7 +1640,7 @@
           <a:p>
             <a:fld id="{58FB63AF-01B3-49F3-A0A3-B5D12ECE087D}" type="datetimeFigureOut">
               <a:rPr lang="pl-PL" smtClean="0"/>
-              <a:t>04.03.2024</a:t>
+              <a:t>05.03.2024</a:t>
             </a:fld>
             <a:endParaRPr lang="pl-PL"/>
           </a:p>
@@ -1872,7 +1872,7 @@
           <a:p>
             <a:fld id="{58FB63AF-01B3-49F3-A0A3-B5D12ECE087D}" type="datetimeFigureOut">
               <a:rPr lang="pl-PL" smtClean="0"/>
-              <a:t>04.03.2024</a:t>
+              <a:t>05.03.2024</a:t>
             </a:fld>
             <a:endParaRPr lang="pl-PL"/>
           </a:p>
@@ -2239,7 +2239,7 @@
           <a:p>
             <a:fld id="{58FB63AF-01B3-49F3-A0A3-B5D12ECE087D}" type="datetimeFigureOut">
               <a:rPr lang="pl-PL" smtClean="0"/>
-              <a:t>04.03.2024</a:t>
+              <a:t>05.03.2024</a:t>
             </a:fld>
             <a:endParaRPr lang="pl-PL"/>
           </a:p>
@@ -2357,7 +2357,7 @@
           <a:p>
             <a:fld id="{58FB63AF-01B3-49F3-A0A3-B5D12ECE087D}" type="datetimeFigureOut">
               <a:rPr lang="pl-PL" smtClean="0"/>
-              <a:t>04.03.2024</a:t>
+              <a:t>05.03.2024</a:t>
             </a:fld>
             <a:endParaRPr lang="pl-PL"/>
           </a:p>
@@ -2452,7 +2452,7 @@
           <a:p>
             <a:fld id="{58FB63AF-01B3-49F3-A0A3-B5D12ECE087D}" type="datetimeFigureOut">
               <a:rPr lang="pl-PL" smtClean="0"/>
-              <a:t>04.03.2024</a:t>
+              <a:t>05.03.2024</a:t>
             </a:fld>
             <a:endParaRPr lang="pl-PL"/>
           </a:p>
@@ -2729,7 +2729,7 @@
           <a:p>
             <a:fld id="{58FB63AF-01B3-49F3-A0A3-B5D12ECE087D}" type="datetimeFigureOut">
               <a:rPr lang="pl-PL" smtClean="0"/>
-              <a:t>04.03.2024</a:t>
+              <a:t>05.03.2024</a:t>
             </a:fld>
             <a:endParaRPr lang="pl-PL"/>
           </a:p>
@@ -2986,7 +2986,7 @@
           <a:p>
             <a:fld id="{58FB63AF-01B3-49F3-A0A3-B5D12ECE087D}" type="datetimeFigureOut">
               <a:rPr lang="pl-PL" smtClean="0"/>
-              <a:t>04.03.2024</a:t>
+              <a:t>05.03.2024</a:t>
             </a:fld>
             <a:endParaRPr lang="pl-PL"/>
           </a:p>
@@ -3199,7 +3199,7 @@
           <a:p>
             <a:fld id="{58FB63AF-01B3-49F3-A0A3-B5D12ECE087D}" type="datetimeFigureOut">
               <a:rPr lang="pl-PL" smtClean="0"/>
-              <a:t>04.03.2024</a:t>
+              <a:t>05.03.2024</a:t>
             </a:fld>
             <a:endParaRPr lang="pl-PL"/>
           </a:p>
@@ -3733,8 +3733,8 @@
         </p:nvSpPr>
         <p:spPr>
           <a:xfrm>
-            <a:off x="988067" y="1834410"/>
-            <a:ext cx="1368000" cy="1980000"/>
+            <a:off x="755597" y="1539948"/>
+            <a:ext cx="1839600" cy="2520000"/>
           </a:xfrm>
           <a:prstGeom prst="rect">
             <a:avLst/>
